--- a/0-Programme_journée.pptx
+++ b/0-Programme_journée.pptx
@@ -222,7 +222,7 @@
           <a:p>
             <a:fld id="{E641DF9C-D240-8844-B816-5BE79E49DD26}" type="datetimeFigureOut">
               <a:rPr lang="fr-FR" smtClean="0"/>
-              <a:t>11/01/2023</a:t>
+              <a:t>11/01/2024</a:t>
             </a:fld>
             <a:endParaRPr lang="fr-FR"/>
           </a:p>
@@ -388,7 +388,7 @@
           <a:p>
             <a:fld id="{1E35FEC5-D583-554E-947A-415AAB740FA7}" type="datetimeFigureOut">
               <a:rPr lang="fr-FR" smtClean="0"/>
-              <a:t>11/01/2023</a:t>
+              <a:t>11/01/2024</a:t>
             </a:fld>
             <a:endParaRPr lang="fr-FR"/>
           </a:p>
@@ -748,7 +748,7 @@
           <a:p>
             <a:fld id="{0BD01439-46F0-5544-9F31-983C823C8BBF}" type="datetime1">
               <a:rPr lang="fr-FR" smtClean="0"/>
-              <a:t>11/01/2023</a:t>
+              <a:t>11/01/2024</a:t>
             </a:fld>
             <a:endParaRPr lang="fr-FR" dirty="0"/>
           </a:p>
@@ -1000,7 +1000,7 @@
           <a:p>
             <a:fld id="{61F9E760-2098-0C47-BF19-805CBD2E60D1}" type="datetime1">
               <a:rPr lang="fr-FR" smtClean="0"/>
-              <a:t>11/01/2023</a:t>
+              <a:t>11/01/2024</a:t>
             </a:fld>
             <a:endParaRPr lang="fr-FR" dirty="0"/>
           </a:p>
@@ -1302,7 +1302,7 @@
           <a:p>
             <a:fld id="{9F4AA93D-2474-6845-A9D5-AC5F317CD3DD}" type="datetime1">
               <a:rPr lang="fr-FR" smtClean="0"/>
-              <a:t>11/01/2023</a:t>
+              <a:t>11/01/2024</a:t>
             </a:fld>
             <a:endParaRPr lang="fr-FR" dirty="0"/>
           </a:p>
@@ -1592,7 +1592,7 @@
           <a:p>
             <a:fld id="{85BEA511-E543-0A4F-9AD8-E4C56BED42E0}" type="datetime1">
               <a:rPr lang="fr-FR" smtClean="0"/>
-              <a:t>11/01/2023</a:t>
+              <a:t>11/01/2024</a:t>
             </a:fld>
             <a:endParaRPr lang="fr-FR" dirty="0"/>
           </a:p>
@@ -2040,7 +2040,7 @@
           <a:p>
             <a:fld id="{4A3A3C09-01FD-8343-8EB9-C75AE5BA7CE8}" type="datetime1">
               <a:rPr lang="fr-FR" smtClean="0"/>
-              <a:t>11/01/2023</a:t>
+              <a:t>11/01/2024</a:t>
             </a:fld>
             <a:endParaRPr lang="fr-FR" dirty="0"/>
           </a:p>
@@ -2322,7 +2322,7 @@
           <a:p>
             <a:fld id="{318E707F-EC21-0C4D-BF5C-F56351EC43CD}" type="datetime1">
               <a:rPr lang="fr-FR" smtClean="0"/>
-              <a:t>11/01/2023</a:t>
+              <a:t>11/01/2024</a:t>
             </a:fld>
             <a:endParaRPr lang="fr-FR" dirty="0"/>
           </a:p>
@@ -2968,7 +2968,7 @@
           <a:p>
             <a:r>
               <a:rPr lang="fr-FR" sz="2800" b="1" dirty="0"/>
-              <a:t>Jeudi 12/01 : Présentations &amp; TD </a:t>
+              <a:t>Vendredi 12/01 : Présentations &amp; TD </a:t>
             </a:r>
           </a:p>
           <a:p>
@@ -3015,7 +3015,7 @@
             </a:pPr>
             <a:r>
               <a:rPr lang="fr-FR" dirty="0"/>
-              <a:t>14h - 15h20 : Recueil de données</a:t>
+              <a:t>13h50 - 15h10 : Recueil de données</a:t>
             </a:r>
           </a:p>
           <a:p>
@@ -3028,7 +3028,7 @@
             </a:pPr>
             <a:r>
               <a:rPr lang="fr-FR" dirty="0"/>
-              <a:t>15h30 – 17h30 : Utilisation, traitement et visualisation de données de trafic : exemple de l‘A20</a:t>
+              <a:t>15h20 – 17h20 : Utilisation, traitement et visualisation de données de trafic : exemple de l‘A20</a:t>
             </a:r>
             <a:br>
               <a:rPr lang="fr-FR" dirty="0"/>
@@ -3088,7 +3088,7 @@
         <p:spPr bwMode="auto">
           <a:xfrm>
             <a:off x="839152" y="1739406"/>
-            <a:ext cx="7465695" cy="3040388"/>
+            <a:ext cx="7668744" cy="3532831"/>
           </a:xfrm>
           <a:prstGeom prst="rect">
             <a:avLst/>
@@ -3452,6 +3452,40 @@
               </a:rPr>
               <a:t>Chef de projet stratégie d’exploitation et ingénierie du trafic</a:t>
             </a:r>
+          </a:p>
+          <a:p>
+            <a:pPr>
+              <a:lnSpc>
+                <a:spcPct val="100000"/>
+              </a:lnSpc>
+              <a:buClrTx/>
+              <a:buFontTx/>
+              <a:buNone/>
+            </a:pPr>
+            <a:r>
+              <a:rPr lang="fr-FR" altLang="fr-FR" sz="3200" dirty="0">
+                <a:solidFill>
+                  <a:srgbClr val="878787"/>
+                </a:solidFill>
+                <a:cs typeface="ヒラギノ角ゴ Pro W3" charset="0"/>
+              </a:rPr>
+              <a:t>Membre Associé de recherche </a:t>
+            </a:r>
+            <a:r>
+              <a:rPr lang="fr-FR" altLang="fr-FR" sz="3200" dirty="0" err="1">
+                <a:solidFill>
+                  <a:srgbClr val="878787"/>
+                </a:solidFill>
+                <a:cs typeface="ヒラギノ角ゴ Pro W3" charset="0"/>
+              </a:rPr>
+              <a:t>DTEROcc</a:t>
+            </a:r>
+            <a:endParaRPr lang="fr-FR" altLang="fr-FR" sz="3200" dirty="0">
+              <a:solidFill>
+                <a:srgbClr val="878787"/>
+              </a:solidFill>
+              <a:cs typeface="ヒラギノ角ゴ Pro W3" charset="0"/>
+            </a:endParaRPr>
           </a:p>
           <a:p>
             <a:pPr>
